--- a/문서/발표자료/1차 발표_프로젝트 계획 및 요구명세 발표자료_7조.pptx
+++ b/문서/발표자료/1차 발표_프로젝트 계획 및 요구명세 발표자료_7조.pptx
@@ -4068,7 +4068,7 @@
                 <a:latin typeface="경기천년제목 Light" panose="02020403020101020101" pitchFamily="18" charset="-127"/>
                 <a:ea typeface="경기천년제목 Light" panose="02020403020101020101" pitchFamily="18" charset="-127"/>
               </a:rPr>
-              <a:t> 여행지 제시</a:t>
+              <a:t> 여행지 출력</a:t>
             </a:r>
             <a:endParaRPr lang="en-US" altLang="ko-KR" sz="2000" dirty="0">
               <a:latin typeface="경기천년제목 Light" panose="02020403020101020101" pitchFamily="18" charset="-127"/>
@@ -4087,7 +4087,7 @@
                 <a:latin typeface="경기천년제목 Light" panose="02020403020101020101" pitchFamily="18" charset="-127"/>
                 <a:ea typeface="경기천년제목 Light" panose="02020403020101020101" pitchFamily="18" charset="-127"/>
               </a:rPr>
-              <a:t> 관광지 제시</a:t>
+              <a:t> 관광지 출력</a:t>
             </a:r>
             <a:endParaRPr lang="en-US" altLang="ko-KR" sz="2000" dirty="0">
               <a:latin typeface="경기천년제목 Light" panose="02020403020101020101" pitchFamily="18" charset="-127"/>
@@ -4106,7 +4106,7 @@
                 <a:latin typeface="경기천년제목 Light" panose="02020403020101020101" pitchFamily="18" charset="-127"/>
                 <a:ea typeface="경기천년제목 Light" panose="02020403020101020101" pitchFamily="18" charset="-127"/>
               </a:rPr>
-              <a:t> 최적 경로 제시</a:t>
+              <a:t> 최적 경로 출력</a:t>
             </a:r>
             <a:endParaRPr lang="en-US" altLang="ko-KR" sz="2000" dirty="0">
               <a:latin typeface="경기천년제목 Light" panose="02020403020101020101" pitchFamily="18" charset="-127"/>
@@ -4200,7 +4200,7 @@
                 <a:latin typeface="경기천년제목 Light" panose="02020403020101020101" pitchFamily="18" charset="-127"/>
                 <a:ea typeface="경기천년제목 Light" panose="02020403020101020101" pitchFamily="18" charset="-127"/>
               </a:rPr>
-              <a:t> 주변교통 제시</a:t>
+              <a:t> 주변교통 출력</a:t>
             </a:r>
             <a:endParaRPr lang="en-US" altLang="ko-KR" sz="2000" dirty="0">
               <a:latin typeface="경기천년제목 Light" panose="02020403020101020101" pitchFamily="18" charset="-127"/>
@@ -10215,7 +10215,7 @@
                 <a:latin typeface="경기천년제목 Light" panose="02020403020101020101" pitchFamily="18" charset="-127"/>
                 <a:ea typeface="경기천년제목 Light" panose="02020403020101020101" pitchFamily="18" charset="-127"/>
               </a:rPr>
-              <a:t> 여행지 제시</a:t>
+              <a:t> 여행지 출력</a:t>
             </a:r>
             <a:endParaRPr lang="en-US" altLang="ko-KR" dirty="0">
               <a:latin typeface="경기천년제목 Light" panose="02020403020101020101" pitchFamily="18" charset="-127"/>
@@ -10234,7 +10234,7 @@
                 <a:latin typeface="경기천년제목 Light" panose="02020403020101020101" pitchFamily="18" charset="-127"/>
                 <a:ea typeface="경기천년제목 Light" panose="02020403020101020101" pitchFamily="18" charset="-127"/>
               </a:rPr>
-              <a:t> 관광지 제시</a:t>
+              <a:t> 관광지 출력</a:t>
             </a:r>
             <a:endParaRPr lang="en-US" altLang="ko-KR" dirty="0">
               <a:latin typeface="경기천년제목 Light" panose="02020403020101020101" pitchFamily="18" charset="-127"/>
@@ -10253,7 +10253,7 @@
                 <a:latin typeface="경기천년제목 Light" panose="02020403020101020101" pitchFamily="18" charset="-127"/>
                 <a:ea typeface="경기천년제목 Light" panose="02020403020101020101" pitchFamily="18" charset="-127"/>
               </a:rPr>
-              <a:t> 주변교통 제시</a:t>
+              <a:t> 주변교통 출력</a:t>
             </a:r>
             <a:endParaRPr lang="en-US" altLang="ko-KR" dirty="0">
               <a:latin typeface="경기천년제목 Light" panose="02020403020101020101" pitchFamily="18" charset="-127"/>
@@ -10291,7 +10291,7 @@
                 <a:latin typeface="경기천년제목 Light" panose="02020403020101020101" pitchFamily="18" charset="-127"/>
                 <a:ea typeface="경기천년제목 Light" panose="02020403020101020101" pitchFamily="18" charset="-127"/>
               </a:rPr>
-              <a:t> 최적 경로 제시</a:t>
+              <a:t> 최적 경로 출력</a:t>
             </a:r>
             <a:endParaRPr lang="en-US" altLang="ko-KR" dirty="0">
               <a:latin typeface="경기천년제목 Light" panose="02020403020101020101" pitchFamily="18" charset="-127"/>
@@ -10321,10 +10321,10 @@
       </p:sp>
       <p:pic>
         <p:nvPicPr>
-          <p:cNvPr id="5" name="그림 4">
-            <a:extLst>
-              <a:ext uri="{FF2B5EF4-FFF2-40B4-BE49-F238E27FC236}">
-                <a16:creationId xmlns:a16="http://schemas.microsoft.com/office/drawing/2014/main" id="{4F637143-7FE7-4E59-B416-3D2AAA717D42}"/>
+          <p:cNvPr id="3" name="그림 2">
+            <a:extLst>
+              <a:ext uri="{FF2B5EF4-FFF2-40B4-BE49-F238E27FC236}">
+                <a16:creationId xmlns:a16="http://schemas.microsoft.com/office/drawing/2014/main" id="{0E70D2F0-717E-4CCF-ACF7-8ED32E9DCFDE}"/>
               </a:ext>
             </a:extLst>
           </p:cNvPr>
@@ -10341,8 +10341,8 @@
         </p:blipFill>
         <p:spPr>
           <a:xfrm>
-            <a:off x="4908053" y="149413"/>
-            <a:ext cx="6988111" cy="6559173"/>
+            <a:off x="5019776" y="58270"/>
+            <a:ext cx="6879227" cy="6741459"/>
           </a:xfrm>
           <a:prstGeom prst="rect">
             <a:avLst/>
